--- a/figures/AACR/stacked-witgh-dendro.pptx
+++ b/figures/AACR/stacked-witgh-dendro.pptx
@@ -104,6 +104,11 @@
       </a:defRPr>
     </a:lvl9pPr>
   </p:defaultTextStyle>
+  <p:extLst>
+    <p:ext uri="{EFAFB233-063F-42B5-8137-9DF3F51BA10A}">
+      <p15:sldGuideLst xmlns:p15="http://schemas.microsoft.com/office/powerpoint/2012/main"/>
+    </p:ext>
+  </p:extLst>
 </p:presentation>
 </file>
 
@@ -238,7 +243,7 @@
           <a:p>
             <a:fld id="{CAB28E75-44F1-4D7F-90EF-0C8E2B740108}" type="datetimeFigureOut">
               <a:rPr lang="en-US" smtClean="0"/>
-              <a:t>2/17/2020</a:t>
+              <a:t>2/19/2020</a:t>
             </a:fld>
             <a:endParaRPr lang="en-US"/>
           </a:p>
@@ -408,7 +413,7 @@
           <a:p>
             <a:fld id="{CAB28E75-44F1-4D7F-90EF-0C8E2B740108}" type="datetimeFigureOut">
               <a:rPr lang="en-US" smtClean="0"/>
-              <a:t>2/17/2020</a:t>
+              <a:t>2/19/2020</a:t>
             </a:fld>
             <a:endParaRPr lang="en-US"/>
           </a:p>
@@ -588,7 +593,7 @@
           <a:p>
             <a:fld id="{CAB28E75-44F1-4D7F-90EF-0C8E2B740108}" type="datetimeFigureOut">
               <a:rPr lang="en-US" smtClean="0"/>
-              <a:t>2/17/2020</a:t>
+              <a:t>2/19/2020</a:t>
             </a:fld>
             <a:endParaRPr lang="en-US"/>
           </a:p>
@@ -758,7 +763,7 @@
           <a:p>
             <a:fld id="{CAB28E75-44F1-4D7F-90EF-0C8E2B740108}" type="datetimeFigureOut">
               <a:rPr lang="en-US" smtClean="0"/>
-              <a:t>2/17/2020</a:t>
+              <a:t>2/19/2020</a:t>
             </a:fld>
             <a:endParaRPr lang="en-US"/>
           </a:p>
@@ -1004,7 +1009,7 @@
           <a:p>
             <a:fld id="{CAB28E75-44F1-4D7F-90EF-0C8E2B740108}" type="datetimeFigureOut">
               <a:rPr lang="en-US" smtClean="0"/>
-              <a:t>2/17/2020</a:t>
+              <a:t>2/19/2020</a:t>
             </a:fld>
             <a:endParaRPr lang="en-US"/>
           </a:p>
@@ -1236,7 +1241,7 @@
           <a:p>
             <a:fld id="{CAB28E75-44F1-4D7F-90EF-0C8E2B740108}" type="datetimeFigureOut">
               <a:rPr lang="en-US" smtClean="0"/>
-              <a:t>2/17/2020</a:t>
+              <a:t>2/19/2020</a:t>
             </a:fld>
             <a:endParaRPr lang="en-US"/>
           </a:p>
@@ -1603,7 +1608,7 @@
           <a:p>
             <a:fld id="{CAB28E75-44F1-4D7F-90EF-0C8E2B740108}" type="datetimeFigureOut">
               <a:rPr lang="en-US" smtClean="0"/>
-              <a:t>2/17/2020</a:t>
+              <a:t>2/19/2020</a:t>
             </a:fld>
             <a:endParaRPr lang="en-US"/>
           </a:p>
@@ -1721,7 +1726,7 @@
           <a:p>
             <a:fld id="{CAB28E75-44F1-4D7F-90EF-0C8E2B740108}" type="datetimeFigureOut">
               <a:rPr lang="en-US" smtClean="0"/>
-              <a:t>2/17/2020</a:t>
+              <a:t>2/19/2020</a:t>
             </a:fld>
             <a:endParaRPr lang="en-US"/>
           </a:p>
@@ -1816,7 +1821,7 @@
           <a:p>
             <a:fld id="{CAB28E75-44F1-4D7F-90EF-0C8E2B740108}" type="datetimeFigureOut">
               <a:rPr lang="en-US" smtClean="0"/>
-              <a:t>2/17/2020</a:t>
+              <a:t>2/19/2020</a:t>
             </a:fld>
             <a:endParaRPr lang="en-US"/>
           </a:p>
@@ -2093,7 +2098,7 @@
           <a:p>
             <a:fld id="{CAB28E75-44F1-4D7F-90EF-0C8E2B740108}" type="datetimeFigureOut">
               <a:rPr lang="en-US" smtClean="0"/>
-              <a:t>2/17/2020</a:t>
+              <a:t>2/19/2020</a:t>
             </a:fld>
             <a:endParaRPr lang="en-US"/>
           </a:p>
@@ -2346,7 +2351,7 @@
           <a:p>
             <a:fld id="{CAB28E75-44F1-4D7F-90EF-0C8E2B740108}" type="datetimeFigureOut">
               <a:rPr lang="en-US" smtClean="0"/>
-              <a:t>2/17/2020</a:t>
+              <a:t>2/19/2020</a:t>
             </a:fld>
             <a:endParaRPr lang="en-US"/>
           </a:p>
@@ -2559,7 +2564,7 @@
           <a:p>
             <a:fld id="{CAB28E75-44F1-4D7F-90EF-0C8E2B740108}" type="datetimeFigureOut">
               <a:rPr lang="en-US" smtClean="0"/>
-              <a:t>2/17/2020</a:t>
+              <a:t>2/19/2020</a:t>
             </a:fld>
             <a:endParaRPr lang="en-US"/>
           </a:p>
@@ -2966,51 +2971,124 @@
       </p:grpSpPr>
       <p:grpSp>
         <p:nvGrpSpPr>
-          <p:cNvPr id="4" name="Group 3"/>
+          <p:cNvPr id="8" name="Group 7"/>
           <p:cNvGrpSpPr/>
           <p:nvPr/>
         </p:nvGrpSpPr>
         <p:grpSpPr>
           <a:xfrm>
-            <a:off x="2575560" y="168852"/>
-            <a:ext cx="5072149" cy="6630958"/>
-            <a:chOff x="2509058" y="792307"/>
-            <a:chExt cx="5072149" cy="6630958"/>
+            <a:off x="2575560" y="174462"/>
+            <a:ext cx="5072149" cy="6905838"/>
+            <a:chOff x="2575560" y="174462"/>
+            <a:chExt cx="5072149" cy="6905838"/>
           </a:xfrm>
         </p:grpSpPr>
+        <p:grpSp>
+          <p:nvGrpSpPr>
+            <p:cNvPr id="6" name="Group 5"/>
+            <p:cNvGrpSpPr/>
+            <p:nvPr/>
+          </p:nvGrpSpPr>
+          <p:grpSpPr>
+            <a:xfrm>
+              <a:off x="2575560" y="174462"/>
+              <a:ext cx="5072149" cy="6905838"/>
+              <a:chOff x="2575560" y="168852"/>
+              <a:chExt cx="5072149" cy="6905838"/>
+            </a:xfrm>
+          </p:grpSpPr>
+          <p:pic>
+            <p:nvPicPr>
+              <p:cNvPr id="2" name="Picture 1"/>
+              <p:cNvPicPr>
+                <a:picLocks noChangeAspect="1"/>
+              </p:cNvPicPr>
+              <p:nvPr/>
+            </p:nvPicPr>
+            <p:blipFill>
+              <a:blip r:embed="rId2" cstate="print">
+                <a:extLst>
+                  <a:ext uri="{28A0092B-C50C-407E-A947-70E740481C1C}">
+                    <a14:useLocalDpi xmlns:a14="http://schemas.microsoft.com/office/drawing/2010/main" val="0"/>
+                  </a:ext>
+                </a:extLst>
+              </a:blip>
+              <a:stretch>
+                <a:fillRect/>
+              </a:stretch>
+            </p:blipFill>
+            <p:spPr>
+              <a:xfrm>
+                <a:off x="2575560" y="2002541"/>
+                <a:ext cx="5072149" cy="5072149"/>
+              </a:xfrm>
+              <a:prstGeom prst="rect">
+                <a:avLst/>
+              </a:prstGeom>
+            </p:spPr>
+          </p:pic>
+          <p:pic>
+            <p:nvPicPr>
+              <p:cNvPr id="3" name="Picture 2"/>
+              <p:cNvPicPr>
+                <a:picLocks noChangeAspect="1"/>
+              </p:cNvPicPr>
+              <p:nvPr/>
+            </p:nvPicPr>
+            <p:blipFill rotWithShape="1">
+              <a:blip r:embed="rId3" cstate="print">
+                <a:extLst>
+                  <a:ext uri="{28A0092B-C50C-407E-A947-70E740481C1C}">
+                    <a14:useLocalDpi xmlns:a14="http://schemas.microsoft.com/office/drawing/2010/main" val="0"/>
+                  </a:ext>
+                </a:extLst>
+              </a:blip>
+              <a:srcRect l="3570" b="3444"/>
+              <a:stretch/>
+            </p:blipFill>
+            <p:spPr>
+              <a:xfrm>
+                <a:off x="2851265" y="168852"/>
+                <a:ext cx="4538750" cy="1817889"/>
+              </a:xfrm>
+              <a:prstGeom prst="rect">
+                <a:avLst/>
+              </a:prstGeom>
+            </p:spPr>
+          </p:pic>
+          <p:pic>
+            <p:nvPicPr>
+              <p:cNvPr id="5" name="Picture 4"/>
+              <p:cNvPicPr>
+                <a:picLocks noChangeAspect="1"/>
+              </p:cNvPicPr>
+              <p:nvPr/>
+            </p:nvPicPr>
+            <p:blipFill rotWithShape="1">
+              <a:blip r:embed="rId3" cstate="print">
+                <a:extLst>
+                  <a:ext uri="{28A0092B-C50C-407E-A947-70E740481C1C}">
+                    <a14:useLocalDpi xmlns:a14="http://schemas.microsoft.com/office/drawing/2010/main" val="0"/>
+                  </a:ext>
+                </a:extLst>
+              </a:blip>
+              <a:srcRect l="92523" t="26649" r="-1177" b="26109"/>
+              <a:stretch/>
+            </p:blipFill>
+            <p:spPr>
+              <a:xfrm>
+                <a:off x="6933253" y="707967"/>
+                <a:ext cx="585609" cy="1278774"/>
+              </a:xfrm>
+              <a:prstGeom prst="rect">
+                <a:avLst/>
+              </a:prstGeom>
+            </p:spPr>
+          </p:pic>
+        </p:grpSp>
         <p:pic>
           <p:nvPicPr>
-            <p:cNvPr id="2" name="Picture 1"/>
-            <p:cNvPicPr>
-              <a:picLocks noChangeAspect="1"/>
-            </p:cNvPicPr>
-            <p:nvPr/>
-          </p:nvPicPr>
-          <p:blipFill>
-            <a:blip r:embed="rId2" cstate="print">
-              <a:extLst>
-                <a:ext uri="{28A0092B-C50C-407E-A947-70E740481C1C}">
-                  <a14:useLocalDpi xmlns:a14="http://schemas.microsoft.com/office/drawing/2010/main" val="0"/>
-                </a:ext>
-              </a:extLst>
-            </a:blip>
-            <a:stretch>
-              <a:fillRect/>
-            </a:stretch>
-          </p:blipFill>
-          <p:spPr>
-            <a:xfrm>
-              <a:off x="2509058" y="2351116"/>
-              <a:ext cx="5072149" cy="5072149"/>
-            </a:xfrm>
-            <a:prstGeom prst="rect">
-              <a:avLst/>
-            </a:prstGeom>
-          </p:spPr>
-        </p:pic>
-        <p:pic>
-          <p:nvPicPr>
-            <p:cNvPr id="3" name="Picture 2"/>
+            <p:cNvPr id="7" name="Picture 6"/>
             <p:cNvPicPr>
               <a:picLocks noChangeAspect="1"/>
             </p:cNvPicPr>
@@ -3024,13 +3102,13 @@
                 </a:ext>
               </a:extLst>
             </a:blip>
-            <a:srcRect l="3570" b="3444"/>
+            <a:srcRect l="3569" t="94858" r="10545" b="4173"/>
             <a:stretch/>
           </p:blipFill>
           <p:spPr>
             <a:xfrm>
-              <a:off x="2784763" y="792307"/>
-              <a:ext cx="4538750" cy="1817889"/>
+              <a:off x="2851265" y="1955788"/>
+              <a:ext cx="4042424" cy="310578"/>
             </a:xfrm>
             <a:prstGeom prst="rect">
               <a:avLst/>
